--- a/RPA Process Automation - BPM Tools Grupo C.pptx
+++ b/RPA Process Automation - BPM Tools Grupo C.pptx
@@ -8586,7 +8586,7 @@
                 <a:effectLst/>
                 <a:latin typeface="ui-monospace"/>
               </a:rPr>
-              <a:t> Filho</a:t>
+              <a:t> Filho – RA: 2020007</a:t>
             </a:r>
           </a:p>
           <a:p>
@@ -8599,7 +8599,7 @@
                 <a:effectLst/>
                 <a:latin typeface="ui-monospace"/>
               </a:rPr>
-              <a:t>Caio Fabio Ramos</a:t>
+              <a:t>Caio Fabio Ramos - RA: 1904910</a:t>
             </a:r>
           </a:p>
           <a:p>
@@ -8612,7 +8612,7 @@
                 <a:effectLst/>
                 <a:latin typeface="ui-monospace"/>
               </a:rPr>
-              <a:t>Cleber dos Santos Vieira</a:t>
+              <a:t>Cleber dos Santos Vieira – RA: 1904805</a:t>
             </a:r>
           </a:p>
           <a:p>
@@ -8657,13 +8657,16 @@
               </a:rPr>
               <a:t>Adachi</a:t>
             </a:r>
-            <a:endParaRPr lang="pt-BR" sz="1600" b="0" i="0" dirty="0">
-              <a:solidFill>
-                <a:srgbClr val="C9D1D9"/>
-              </a:solidFill>
-              <a:effectLst/>
-              <a:latin typeface="ui-monospace"/>
-            </a:endParaRPr>
+            <a:r>
+              <a:rPr lang="pt-BR" sz="1600" b="0" i="0" dirty="0">
+                <a:solidFill>
+                  <a:srgbClr val="C9D1D9"/>
+                </a:solidFill>
+                <a:effectLst/>
+                <a:latin typeface="ui-monospace"/>
+              </a:rPr>
+              <a:t> - RA: 1904918</a:t>
+            </a:r>
           </a:p>
           <a:p>
             <a:pPr rtl="0"/>
@@ -8685,7 +8688,7 @@
                 <a:effectLst/>
                 <a:latin typeface="ui-monospace"/>
               </a:rPr>
-              <a:t> Arles Miranda Dantas</a:t>
+              <a:t> Arles Miranda Dantas - RA: 1904842</a:t>
             </a:r>
           </a:p>
           <a:p>
@@ -8698,7 +8701,7 @@
                 <a:effectLst/>
                 <a:latin typeface="ui-monospace"/>
               </a:rPr>
-              <a:t>Renan Santos de Siqueira</a:t>
+              <a:t>Renan Santos de Siqueira - RA: 2100003</a:t>
             </a:r>
           </a:p>
           <a:p>
@@ -8721,7 +8724,7 @@
                 <a:effectLst/>
                 <a:latin typeface="ui-monospace"/>
               </a:rPr>
-              <a:t> Gomes da Luz Santos</a:t>
+              <a:t> Gomes da Luz Santos - RA: 1802222</a:t>
             </a:r>
             <a:endParaRPr lang="pt-BR" sz="1600" dirty="0"/>
           </a:p>
@@ -9621,15 +9624,6 @@
 </file>
 
 <file path=customXml/item1.xml><?xml version="1.0" encoding="utf-8"?>
-<p:properties xmlns:p="http://schemas.microsoft.com/office/2006/metadata/properties" xmlns:xsi="http://www.w3.org/2001/XMLSchema-instance" xmlns:pc="http://schemas.microsoft.com/office/infopath/2007/PartnerControls">
-  <documentManagement>
-    <_ip_UnifiedCompliancePolicyUIAction xmlns="http://schemas.microsoft.com/sharepoint/v3" xsi:nil="true"/>
-    <_ip_UnifiedCompliancePolicyProperties xmlns="http://schemas.microsoft.com/sharepoint/v3" xsi:nil="true"/>
-  </documentManagement>
-</p:properties>
-</file>
-
-<file path=customXml/item2.xml><?xml version="1.0" encoding="utf-8"?>
 <ct:contentTypeSchema xmlns:ct="http://schemas.microsoft.com/office/2006/metadata/contentType" xmlns:ma="http://schemas.microsoft.com/office/2006/metadata/properties/metaAttributes" ct:_="" ma:_="" ma:contentTypeName="Document" ma:contentTypeID="0x010100DEEA25CC0A0AC24199CDC46C25B8B0BC" ma:contentTypeVersion="9" ma:contentTypeDescription="Create a new document." ma:contentTypeScope="" ma:versionID="76e25e1730b4532ab1d5e5b131a96a5a">
   <xsd:schema xmlns:xsd="http://www.w3.org/2001/XMLSchema" xmlns:xs="http://www.w3.org/2001/XMLSchema" xmlns:p="http://schemas.microsoft.com/office/2006/metadata/properties" xmlns:ns1="http://schemas.microsoft.com/sharepoint/v3" xmlns:ns2="6dc4bcd6-49db-4c07-9060-8acfc67cef9f" xmlns:ns3="fb0879af-3eba-417a-a55a-ffe6dcd6ca77" targetNamespace="http://schemas.microsoft.com/office/2006/metadata/properties" ma:root="true" ma:fieldsID="ad1e9281a84c4949647088091c718de3" ns1:_="" ns2:_="" ns3:_="">
     <xsd:import namespace="http://schemas.microsoft.com/sharepoint/v3"/>
@@ -9831,25 +9825,16 @@
 </ct:contentTypeSchema>
 </file>
 
-<file path=customXml/itemProps1.xml><?xml version="1.0" encoding="utf-8"?>
-<ds:datastoreItem xmlns:ds="http://schemas.openxmlformats.org/officeDocument/2006/customXml" ds:itemID="{EB2218FC-8412-44B9-9E82-D51F1F531141}">
-  <ds:schemaRefs>
-    <ds:schemaRef ds:uri="http://purl.org/dc/elements/1.1/"/>
-    <ds:schemaRef ds:uri="http://schemas.microsoft.com/sharepoint/v3"/>
-    <ds:schemaRef ds:uri="http://schemas.microsoft.com/office/2006/documentManagement/types"/>
-    <ds:schemaRef ds:uri="fb0879af-3eba-417a-a55a-ffe6dcd6ca77"/>
-    <ds:schemaRef ds:uri="http://schemas.microsoft.com/office/2006/metadata/properties"/>
-    <ds:schemaRef ds:uri="http://schemas.microsoft.com/office/infopath/2007/PartnerControls"/>
-    <ds:schemaRef ds:uri="6dc4bcd6-49db-4c07-9060-8acfc67cef9f"/>
-    <ds:schemaRef ds:uri="http://www.w3.org/XML/1998/namespace"/>
-    <ds:schemaRef ds:uri="http://schemas.openxmlformats.org/package/2006/metadata/core-properties"/>
-    <ds:schemaRef ds:uri="http://purl.org/dc/dcmitype/"/>
-    <ds:schemaRef ds:uri="http://purl.org/dc/terms/"/>
-  </ds:schemaRefs>
-</ds:datastoreItem>
+<file path=customXml/item2.xml><?xml version="1.0" encoding="utf-8"?>
+<p:properties xmlns:p="http://schemas.microsoft.com/office/2006/metadata/properties" xmlns:xsi="http://www.w3.org/2001/XMLSchema-instance" xmlns:pc="http://schemas.microsoft.com/office/infopath/2007/PartnerControls">
+  <documentManagement>
+    <_ip_UnifiedCompliancePolicyUIAction xmlns="http://schemas.microsoft.com/sharepoint/v3" xsi:nil="true"/>
+    <_ip_UnifiedCompliancePolicyProperties xmlns="http://schemas.microsoft.com/sharepoint/v3" xsi:nil="true"/>
+  </documentManagement>
+</p:properties>
 </file>
 
-<file path=customXml/itemProps2.xml><?xml version="1.0" encoding="utf-8"?>
+<file path=customXml/itemProps1.xml><?xml version="1.0" encoding="utf-8"?>
 <ds:datastoreItem xmlns:ds="http://schemas.openxmlformats.org/officeDocument/2006/customXml" ds:itemID="{B64A4C9D-F801-4923-BC6D-E0006F512331}">
   <ds:schemaRefs>
     <ds:schemaRef ds:uri="http://schemas.microsoft.com/office/2006/metadata/contentType"/>
@@ -9867,4 +9852,22 @@
     <ds:schemaRef ds:uri="http://schemas.microsoft.com/internal/obd"/>
   </ds:schemaRefs>
 </ds:datastoreItem>
+</file>
+
+<file path=customXml/itemProps2.xml><?xml version="1.0" encoding="utf-8"?>
+<ds:datastoreItem xmlns:ds="http://schemas.openxmlformats.org/officeDocument/2006/customXml" ds:itemID="{EB2218FC-8412-44B9-9E82-D51F1F531141}">
+  <ds:schemaRefs>
+    <ds:schemaRef ds:uri="http://purl.org/dc/elements/1.1/"/>
+    <ds:schemaRef ds:uri="http://schemas.microsoft.com/sharepoint/v3"/>
+    <ds:schemaRef ds:uri="http://schemas.microsoft.com/office/2006/documentManagement/types"/>
+    <ds:schemaRef ds:uri="fb0879af-3eba-417a-a55a-ffe6dcd6ca77"/>
+    <ds:schemaRef ds:uri="http://schemas.microsoft.com/office/2006/metadata/properties"/>
+    <ds:schemaRef ds:uri="http://schemas.microsoft.com/office/infopath/2007/PartnerControls"/>
+    <ds:schemaRef ds:uri="6dc4bcd6-49db-4c07-9060-8acfc67cef9f"/>
+    <ds:schemaRef ds:uri="http://www.w3.org/XML/1998/namespace"/>
+    <ds:schemaRef ds:uri="http://schemas.openxmlformats.org/package/2006/metadata/core-properties"/>
+    <ds:schemaRef ds:uri="http://purl.org/dc/dcmitype/"/>
+    <ds:schemaRef ds:uri="http://purl.org/dc/terms/"/>
+  </ds:schemaRefs>
+</ds:datastoreItem>
 </file>